--- a/преза_закон_мерфи_рекомендации.pptx
+++ b/преза_закон_мерфи_рекомендации.pptx
@@ -14975,7 +14975,7 @@
         <p:spPr>
           <a:xfrm>
             <a:off x="0" y="1699700"/>
-            <a:ext cx="5272800" cy="577200"/>
+            <a:ext cx="7514100" cy="577200"/>
           </a:xfrm>
           <a:prstGeom prst="rect">
             <a:avLst/>
@@ -14995,7 +14995,7 @@
           </a:bodyPr>
           <a:lstStyle/>
           <a:p>
-            <a:pPr indent="457200" lvl="0" marL="0" rtl="0" algn="l">
+            <a:pPr indent="0" lvl="0" marL="0" rtl="0" algn="l">
               <a:spcBef>
                 <a:spcPts val="0"/>
               </a:spcBef>
@@ -15005,7 +15005,7 @@
               <a:buNone/>
             </a:pPr>
             <a:r>
-              <a:rPr b="1" lang="ru-RU" sz="2500">
+              <a:rPr b="1" lang="ru-RU" sz="2000">
                 <a:solidFill>
                   <a:srgbClr val="1C4587"/>
                 </a:solidFill>
@@ -15016,7 +15016,7 @@
               </a:rPr>
               <a:t>Грязные данные</a:t>
             </a:r>
-            <a:endParaRPr b="1" sz="2500">
+            <a:endParaRPr b="1" sz="2000">
               <a:solidFill>
                 <a:srgbClr val="1C4587"/>
               </a:solidFill>
@@ -15037,7 +15037,7 @@
         <p:spPr>
           <a:xfrm>
             <a:off x="0" y="2685700"/>
-            <a:ext cx="5272800" cy="577200"/>
+            <a:ext cx="7573500" cy="577200"/>
           </a:xfrm>
           <a:prstGeom prst="rect">
             <a:avLst/>
@@ -15057,7 +15057,7 @@
           </a:bodyPr>
           <a:lstStyle/>
           <a:p>
-            <a:pPr indent="457200" lvl="0" marL="0" rtl="0" algn="l">
+            <a:pPr indent="0" lvl="0" marL="0" rtl="0" algn="l">
               <a:spcBef>
                 <a:spcPts val="0"/>
               </a:spcBef>
@@ -15067,7 +15067,7 @@
               <a:buNone/>
             </a:pPr>
             <a:r>
-              <a:rPr b="1" lang="ru-RU" sz="2500">
+              <a:rPr b="1" lang="ru-RU" sz="2000">
                 <a:solidFill>
                   <a:srgbClr val="1C4587"/>
                 </a:solidFill>
@@ -15076,9 +15076,9 @@
                 <a:cs typeface="Montserrat"/>
                 <a:sym typeface="Montserrat"/>
               </a:rPr>
-              <a:t>Отсутствие таргета</a:t>
+              <a:t>Отсутствие истории предыдущих рекомендаций</a:t>
             </a:r>
-            <a:endParaRPr b="1" sz="2500">
+            <a:endParaRPr b="1" sz="2000">
               <a:solidFill>
                 <a:srgbClr val="1C4587"/>
               </a:solidFill>
